--- a/StyleGAN2_Overview.pptx
+++ b/StyleGAN2_Overview.pptx
@@ -3456,38 +3456,86 @@
             <p:ph idx="1"/>
           </p:nvPr>
         </p:nvSpPr>
-        <p:spPr/>
-        <p:txBody>
-          <a:bodyPr/>
-          <a:lstStyle/>
-          <a:p>
+        <p:spPr>
+          <a:xfrm>
+            <a:off x="838200" y="1706973"/>
+            <a:ext cx="4427863" cy="4351338"/>
+          </a:xfrm>
+        </p:spPr>
+        <p:txBody>
+          <a:bodyPr numCol="1"/>
+          <a:lstStyle/>
+          <a:p>
+            <a:r>
+              <a:rPr lang="en-US" b="1" dirty="0"/>
+              <a:t>Generator</a:t>
+            </a:r>
+          </a:p>
+          <a:p>
+            <a:pPr lvl="1"/>
             <a:r>
               <a:rPr lang="en-US" dirty="0"/>
-              <a:t>Generator</a:t>
+              <a:t>Make images from noise (“latent variables”)</a:t>
+            </a:r>
+          </a:p>
+          <a:p>
+            <a:r>
+              <a:rPr lang="en-US" b="1" dirty="0"/>
+              <a:t>Discriminator</a:t>
             </a:r>
           </a:p>
           <a:p>
             <a:pPr lvl="1"/>
             <a:r>
               <a:rPr lang="en-US" dirty="0"/>
-              <a:t>Make images from noise (the latent variables)</a:t>
-            </a:r>
-          </a:p>
-          <a:p>
+              <a:t>Distinguish between generated and real images</a:t>
+            </a:r>
+          </a:p>
+          <a:p>
+            <a:pPr lvl="2"/>
             <a:r>
               <a:rPr lang="en-US" dirty="0"/>
-              <a:t>Discriminator</a:t>
-            </a:r>
-          </a:p>
-          <a:p>
-            <a:pPr lvl="1"/>
-            <a:r>
-              <a:rPr lang="en-US" dirty="0"/>
-              <a:t>Distinguish between Generated and Real images</a:t>
-            </a:r>
-          </a:p>
-        </p:txBody>
-      </p:sp>
+              <a:t>Like a basic sigmoid classification model</a:t>
+            </a:r>
+          </a:p>
+        </p:txBody>
+      </p:sp>
+      <p:pic>
+        <p:nvPicPr>
+          <p:cNvPr id="5" name="Picture 4" descr="A screenshot of a cell phone&#10;&#10;Description automatically generated">
+            <a:extLst>
+              <a:ext uri="{FF2B5EF4-FFF2-40B4-BE49-F238E27FC236}">
+                <a16:creationId xmlns:a16="http://schemas.microsoft.com/office/drawing/2014/main" id="{5DE3767C-0C0E-4C55-9A60-B458377F2F77}"/>
+              </a:ext>
+            </a:extLst>
+          </p:cNvPr>
+          <p:cNvPicPr>
+            <a:picLocks noChangeAspect="1"/>
+          </p:cNvPicPr>
+          <p:nvPr/>
+        </p:nvPicPr>
+        <p:blipFill>
+          <a:blip r:embed="rId2">
+            <a:extLst>
+              <a:ext uri="{28A0092B-C50C-407E-A947-70E740481C1C}">
+                <a14:useLocalDpi xmlns:a14="http://schemas.microsoft.com/office/drawing/2010/main" val="0"/>
+              </a:ext>
+            </a:extLst>
+          </a:blip>
+          <a:stretch>
+            <a:fillRect/>
+          </a:stretch>
+        </p:blipFill>
+        <p:spPr>
+          <a:xfrm>
+            <a:off x="5502566" y="2254355"/>
+            <a:ext cx="5597067" cy="2610233"/>
+          </a:xfrm>
+          <a:prstGeom prst="rect">
+            <a:avLst/>
+          </a:prstGeom>
+        </p:spPr>
+      </p:pic>
     </p:spTree>
     <p:extLst>
       <p:ext uri="{BB962C8B-B14F-4D97-AF65-F5344CB8AC3E}">
